--- a/提出（学生が出す）ー岡本/PM/17746 sunita/sunita.pptx
+++ b/提出（学生が出す）ー岡本/PM/17746 sunita/sunita.pptx
@@ -454,7 +454,7 @@
           <a:p>
             <a:fld id="{EDF93A8E-84FD-441E-84A9-5E4431BB6DD5}" type="datetimeFigureOut">
               <a:rPr kumimoji="1" lang="ja-JP" altLang="en-US" smtClean="0"/>
-              <a:t>2019/10/24</a:t>
+              <a:t>2019/10/31</a:t>
             </a:fld>
             <a:endParaRPr kumimoji="1" lang="ja-JP" altLang="en-US"/>
           </a:p>
@@ -778,7 +778,7 @@
           <a:p>
             <a:fld id="{EDF93A8E-84FD-441E-84A9-5E4431BB6DD5}" type="datetimeFigureOut">
               <a:rPr kumimoji="1" lang="ja-JP" altLang="en-US" smtClean="0"/>
-              <a:t>2019/10/24</a:t>
+              <a:t>2019/10/31</a:t>
             </a:fld>
             <a:endParaRPr kumimoji="1" lang="ja-JP" altLang="en-US"/>
           </a:p>
@@ -1026,7 +1026,7 @@
           <a:p>
             <a:fld id="{EDF93A8E-84FD-441E-84A9-5E4431BB6DD5}" type="datetimeFigureOut">
               <a:rPr kumimoji="1" lang="ja-JP" altLang="en-US" smtClean="0"/>
-              <a:t>2019/10/24</a:t>
+              <a:t>2019/10/31</a:t>
             </a:fld>
             <a:endParaRPr kumimoji="1" lang="ja-JP" altLang="en-US"/>
           </a:p>
@@ -1365,7 +1365,7 @@
           <a:p>
             <a:fld id="{EDF93A8E-84FD-441E-84A9-5E4431BB6DD5}" type="datetimeFigureOut">
               <a:rPr kumimoji="1" lang="ja-JP" altLang="en-US" smtClean="0"/>
-              <a:t>2019/10/24</a:t>
+              <a:t>2019/10/31</a:t>
             </a:fld>
             <a:endParaRPr kumimoji="1" lang="ja-JP" altLang="en-US"/>
           </a:p>
@@ -1712,7 +1712,7 @@
           <a:p>
             <a:fld id="{EDF93A8E-84FD-441E-84A9-5E4431BB6DD5}" type="datetimeFigureOut">
               <a:rPr kumimoji="1" lang="ja-JP" altLang="en-US" smtClean="0"/>
-              <a:t>2019/10/24</a:t>
+              <a:t>2019/10/31</a:t>
             </a:fld>
             <a:endParaRPr kumimoji="1" lang="ja-JP" altLang="en-US"/>
           </a:p>
@@ -2086,7 +2086,7 @@
           <a:p>
             <a:fld id="{EDF93A8E-84FD-441E-84A9-5E4431BB6DD5}" type="datetimeFigureOut">
               <a:rPr kumimoji="1" lang="ja-JP" altLang="en-US" smtClean="0"/>
-              <a:t>2019/10/24</a:t>
+              <a:t>2019/10/31</a:t>
             </a:fld>
             <a:endParaRPr kumimoji="1" lang="ja-JP" altLang="en-US"/>
           </a:p>
@@ -2556,7 +2556,7 @@
           <a:p>
             <a:fld id="{EDF93A8E-84FD-441E-84A9-5E4431BB6DD5}" type="datetimeFigureOut">
               <a:rPr kumimoji="1" lang="ja-JP" altLang="en-US" smtClean="0"/>
-              <a:t>2019/10/24</a:t>
+              <a:t>2019/10/31</a:t>
             </a:fld>
             <a:endParaRPr kumimoji="1" lang="ja-JP" altLang="en-US"/>
           </a:p>
@@ -2793,7 +2793,7 @@
           <a:p>
             <a:fld id="{EDF93A8E-84FD-441E-84A9-5E4431BB6DD5}" type="datetimeFigureOut">
               <a:rPr kumimoji="1" lang="ja-JP" altLang="en-US" smtClean="0"/>
-              <a:t>2019/10/24</a:t>
+              <a:t>2019/10/31</a:t>
             </a:fld>
             <a:endParaRPr kumimoji="1" lang="ja-JP" altLang="en-US"/>
           </a:p>
@@ -3036,7 +3036,7 @@
           <a:p>
             <a:fld id="{EDF93A8E-84FD-441E-84A9-5E4431BB6DD5}" type="datetimeFigureOut">
               <a:rPr kumimoji="1" lang="ja-JP" altLang="en-US" smtClean="0"/>
-              <a:t>2019/10/24</a:t>
+              <a:t>2019/10/31</a:t>
             </a:fld>
             <a:endParaRPr kumimoji="1" lang="ja-JP" altLang="en-US"/>
           </a:p>
@@ -3300,7 +3300,7 @@
           <a:p>
             <a:fld id="{EDF93A8E-84FD-441E-84A9-5E4431BB6DD5}" type="datetimeFigureOut">
               <a:rPr kumimoji="1" lang="ja-JP" altLang="en-US" smtClean="0"/>
-              <a:t>2019/10/24</a:t>
+              <a:t>2019/10/31</a:t>
             </a:fld>
             <a:endParaRPr kumimoji="1" lang="ja-JP" altLang="en-US"/>
           </a:p>
@@ -3548,7 +3548,7 @@
           <a:p>
             <a:fld id="{EDF93A8E-84FD-441E-84A9-5E4431BB6DD5}" type="datetimeFigureOut">
               <a:rPr kumimoji="1" lang="ja-JP" altLang="en-US" smtClean="0"/>
-              <a:t>2019/10/24</a:t>
+              <a:t>2019/10/31</a:t>
             </a:fld>
             <a:endParaRPr kumimoji="1" lang="ja-JP" altLang="en-US"/>
           </a:p>
@@ -3910,7 +3910,7 @@
           <a:p>
             <a:fld id="{EDF93A8E-84FD-441E-84A9-5E4431BB6DD5}" type="datetimeFigureOut">
               <a:rPr kumimoji="1" lang="ja-JP" altLang="en-US" smtClean="0"/>
-              <a:t>2019/10/24</a:t>
+              <a:t>2019/10/31</a:t>
             </a:fld>
             <a:endParaRPr kumimoji="1" lang="ja-JP" altLang="en-US"/>
           </a:p>
@@ -4368,7 +4368,7 @@
           <a:p>
             <a:fld id="{EDF93A8E-84FD-441E-84A9-5E4431BB6DD5}" type="datetimeFigureOut">
               <a:rPr kumimoji="1" lang="ja-JP" altLang="en-US" smtClean="0"/>
-              <a:t>2019/10/24</a:t>
+              <a:t>2019/10/31</a:t>
             </a:fld>
             <a:endParaRPr kumimoji="1" lang="ja-JP" altLang="en-US"/>
           </a:p>
@@ -4517,7 +4517,7 @@
           <a:p>
             <a:fld id="{EDF93A8E-84FD-441E-84A9-5E4431BB6DD5}" type="datetimeFigureOut">
               <a:rPr kumimoji="1" lang="ja-JP" altLang="en-US" smtClean="0"/>
-              <a:t>2019/10/24</a:t>
+              <a:t>2019/10/31</a:t>
             </a:fld>
             <a:endParaRPr kumimoji="1" lang="ja-JP" altLang="en-US"/>
           </a:p>
@@ -4643,7 +4643,7 @@
           <a:p>
             <a:fld id="{EDF93A8E-84FD-441E-84A9-5E4431BB6DD5}" type="datetimeFigureOut">
               <a:rPr kumimoji="1" lang="ja-JP" altLang="en-US" smtClean="0"/>
-              <a:t>2019/10/24</a:t>
+              <a:t>2019/10/31</a:t>
             </a:fld>
             <a:endParaRPr kumimoji="1" lang="ja-JP" altLang="en-US"/>
           </a:p>
@@ -4930,7 +4930,7 @@
           <a:p>
             <a:fld id="{EDF93A8E-84FD-441E-84A9-5E4431BB6DD5}" type="datetimeFigureOut">
               <a:rPr kumimoji="1" lang="ja-JP" altLang="en-US" smtClean="0"/>
-              <a:t>2019/10/24</a:t>
+              <a:t>2019/10/31</a:t>
             </a:fld>
             <a:endParaRPr kumimoji="1" lang="ja-JP" altLang="en-US"/>
           </a:p>
@@ -5245,7 +5245,7 @@
           <a:p>
             <a:fld id="{EDF93A8E-84FD-441E-84A9-5E4431BB6DD5}" type="datetimeFigureOut">
               <a:rPr kumimoji="1" lang="ja-JP" altLang="en-US" smtClean="0"/>
-              <a:t>2019/10/24</a:t>
+              <a:t>2019/10/31</a:t>
             </a:fld>
             <a:endParaRPr kumimoji="1" lang="ja-JP" altLang="en-US"/>
           </a:p>
@@ -5628,7 +5628,7 @@
           <a:p>
             <a:fld id="{EDF93A8E-84FD-441E-84A9-5E4431BB6DD5}" type="datetimeFigureOut">
               <a:rPr kumimoji="1" lang="ja-JP" altLang="en-US" smtClean="0"/>
-              <a:t>2019/10/24</a:t>
+              <a:t>2019/10/31</a:t>
             </a:fld>
             <a:endParaRPr kumimoji="1" lang="ja-JP" altLang="en-US"/>
           </a:p>
@@ -6321,28 +6321,28 @@
                 <a:gridCol w="2105026">
                   <a:extLst>
                     <a:ext uri="{9D8B030D-6E8A-4147-A177-3AD203B41FA5}">
-                      <a16:colId xmlns:a16="http://schemas.microsoft.com/office/drawing/2014/main" val="2984244494"/>
+                      <a16:colId xmlns:a16="http://schemas.microsoft.com/office/drawing/2014/main" xmlns="" val="2984244494"/>
                     </a:ext>
                   </a:extLst>
                 </a:gridCol>
                 <a:gridCol w="2105026">
                   <a:extLst>
                     <a:ext uri="{9D8B030D-6E8A-4147-A177-3AD203B41FA5}">
-                      <a16:colId xmlns:a16="http://schemas.microsoft.com/office/drawing/2014/main" val="3490705973"/>
+                      <a16:colId xmlns:a16="http://schemas.microsoft.com/office/drawing/2014/main" xmlns="" val="3490705973"/>
                     </a:ext>
                   </a:extLst>
                 </a:gridCol>
                 <a:gridCol w="2105026">
                   <a:extLst>
                     <a:ext uri="{9D8B030D-6E8A-4147-A177-3AD203B41FA5}">
-                      <a16:colId xmlns:a16="http://schemas.microsoft.com/office/drawing/2014/main" val="3423155733"/>
+                      <a16:colId xmlns:a16="http://schemas.microsoft.com/office/drawing/2014/main" xmlns="" val="3423155733"/>
                     </a:ext>
                   </a:extLst>
                 </a:gridCol>
                 <a:gridCol w="2105026">
                   <a:extLst>
                     <a:ext uri="{9D8B030D-6E8A-4147-A177-3AD203B41FA5}">
-                      <a16:colId xmlns:a16="http://schemas.microsoft.com/office/drawing/2014/main" val="3877576202"/>
+                      <a16:colId xmlns:a16="http://schemas.microsoft.com/office/drawing/2014/main" xmlns="" val="3877576202"/>
                     </a:ext>
                   </a:extLst>
                 </a:gridCol>
@@ -6410,7 +6410,7 @@
                 </a:tc>
                 <a:extLst>
                   <a:ext uri="{0D108BD9-81ED-4DB2-BD59-A6C34878D82A}">
-                    <a16:rowId xmlns:a16="http://schemas.microsoft.com/office/drawing/2014/main" val="1308390797"/>
+                    <a16:rowId xmlns:a16="http://schemas.microsoft.com/office/drawing/2014/main" xmlns="" val="1308390797"/>
                   </a:ext>
                 </a:extLst>
               </a:tr>
@@ -6557,8 +6557,8 @@
         </p:nvSpPr>
         <p:spPr>
           <a:xfrm>
-            <a:off x="1522609" y="0"/>
-            <a:ext cx="5139448" cy="868996"/>
+            <a:off x="-59960" y="-38342"/>
+            <a:ext cx="3394250" cy="527102"/>
           </a:xfrm>
         </p:spPr>
         <p:txBody>
@@ -6568,14 +6568,14 @@
           <a:lstStyle/>
           <a:p>
             <a:r>
-              <a:rPr lang="en-US" altLang="ja-JP" dirty="0">
+              <a:rPr lang="en-US" altLang="ja-JP" sz="2800" dirty="0">
                 <a:solidFill>
                   <a:srgbClr val="FF0000"/>
                 </a:solidFill>
               </a:rPr>
               <a:t>JAPANES FOODS</a:t>
             </a:r>
-            <a:endParaRPr lang="ja-JP" altLang="en-US" dirty="0">
+            <a:endParaRPr lang="ja-JP" altLang="en-US" sz="2800" dirty="0">
               <a:solidFill>
                 <a:srgbClr val="FF0000"/>
               </a:solidFill>
@@ -6744,13 +6744,13 @@
           <p:nvPr>
             <p:extLst>
               <p:ext uri="{D42A27DB-BD31-4B8C-83A1-F6EECF244321}">
-                <p14:modId xmlns:p14="http://schemas.microsoft.com/office/powerpoint/2010/main" val="2553541238"/>
+                <p14:modId xmlns:p14="http://schemas.microsoft.com/office/powerpoint/2010/main" val="3806309370"/>
               </p:ext>
             </p:extLst>
           </p:nvPr>
         </p:nvGraphicFramePr>
         <p:xfrm>
-          <a:off x="2032000" y="719666"/>
+          <a:off x="3306163" y="72950"/>
           <a:ext cx="8128000" cy="370840"/>
         </p:xfrm>
         <a:graphic>
@@ -6763,35 +6763,35 @@
                 <a:gridCol w="1625600">
                   <a:extLst>
                     <a:ext uri="{9D8B030D-6E8A-4147-A177-3AD203B41FA5}">
-                      <a16:colId xmlns:a16="http://schemas.microsoft.com/office/drawing/2014/main" val="2150332623"/>
+                      <a16:colId xmlns:a16="http://schemas.microsoft.com/office/drawing/2014/main" xmlns="" val="2150332623"/>
                     </a:ext>
                   </a:extLst>
                 </a:gridCol>
                 <a:gridCol w="1625600">
                   <a:extLst>
                     <a:ext uri="{9D8B030D-6E8A-4147-A177-3AD203B41FA5}">
-                      <a16:colId xmlns:a16="http://schemas.microsoft.com/office/drawing/2014/main" val="235868995"/>
+                      <a16:colId xmlns:a16="http://schemas.microsoft.com/office/drawing/2014/main" xmlns="" val="235868995"/>
                     </a:ext>
                   </a:extLst>
                 </a:gridCol>
                 <a:gridCol w="1625600">
                   <a:extLst>
                     <a:ext uri="{9D8B030D-6E8A-4147-A177-3AD203B41FA5}">
-                      <a16:colId xmlns:a16="http://schemas.microsoft.com/office/drawing/2014/main" val="4168334508"/>
+                      <a16:colId xmlns:a16="http://schemas.microsoft.com/office/drawing/2014/main" xmlns="" val="4168334508"/>
                     </a:ext>
                   </a:extLst>
                 </a:gridCol>
                 <a:gridCol w="1625600">
                   <a:extLst>
                     <a:ext uri="{9D8B030D-6E8A-4147-A177-3AD203B41FA5}">
-                      <a16:colId xmlns:a16="http://schemas.microsoft.com/office/drawing/2014/main" val="977299557"/>
+                      <a16:colId xmlns:a16="http://schemas.microsoft.com/office/drawing/2014/main" xmlns="" val="977299557"/>
                     </a:ext>
                   </a:extLst>
                 </a:gridCol>
                 <a:gridCol w="1625600">
                   <a:extLst>
                     <a:ext uri="{9D8B030D-6E8A-4147-A177-3AD203B41FA5}">
-                      <a16:colId xmlns:a16="http://schemas.microsoft.com/office/drawing/2014/main" val="371625228"/>
+                      <a16:colId xmlns:a16="http://schemas.microsoft.com/office/drawing/2014/main" xmlns="" val="371625228"/>
                     </a:ext>
                   </a:extLst>
                 </a:gridCol>
@@ -6869,7 +6869,7 @@
                 </a:tc>
                 <a:extLst>
                   <a:ext uri="{0D108BD9-81ED-4DB2-BD59-A6C34878D82A}">
-                    <a16:rowId xmlns:a16="http://schemas.microsoft.com/office/drawing/2014/main" val="1875427296"/>
+                    <a16:rowId xmlns:a16="http://schemas.microsoft.com/office/drawing/2014/main" xmlns="" val="1875427296"/>
                   </a:ext>
                 </a:extLst>
               </a:tr>
@@ -7088,28 +7088,28 @@
                 <a:gridCol w="3027045">
                   <a:extLst>
                     <a:ext uri="{9D8B030D-6E8A-4147-A177-3AD203B41FA5}">
-                      <a16:colId xmlns:a16="http://schemas.microsoft.com/office/drawing/2014/main" val="2001759671"/>
+                      <a16:colId xmlns:a16="http://schemas.microsoft.com/office/drawing/2014/main" xmlns="" val="2001759671"/>
                     </a:ext>
                   </a:extLst>
                 </a:gridCol>
                 <a:gridCol w="3027045">
                   <a:extLst>
                     <a:ext uri="{9D8B030D-6E8A-4147-A177-3AD203B41FA5}">
-                      <a16:colId xmlns:a16="http://schemas.microsoft.com/office/drawing/2014/main" val="1733201963"/>
+                      <a16:colId xmlns:a16="http://schemas.microsoft.com/office/drawing/2014/main" xmlns="" val="1733201963"/>
                     </a:ext>
                   </a:extLst>
                 </a:gridCol>
                 <a:gridCol w="3027045">
                   <a:extLst>
                     <a:ext uri="{9D8B030D-6E8A-4147-A177-3AD203B41FA5}">
-                      <a16:colId xmlns:a16="http://schemas.microsoft.com/office/drawing/2014/main" val="301433961"/>
+                      <a16:colId xmlns:a16="http://schemas.microsoft.com/office/drawing/2014/main" xmlns="" val="301433961"/>
                     </a:ext>
                   </a:extLst>
                 </a:gridCol>
                 <a:gridCol w="3027045">
                   <a:extLst>
                     <a:ext uri="{9D8B030D-6E8A-4147-A177-3AD203B41FA5}">
-                      <a16:colId xmlns:a16="http://schemas.microsoft.com/office/drawing/2014/main" val="2441002560"/>
+                      <a16:colId xmlns:a16="http://schemas.microsoft.com/office/drawing/2014/main" xmlns="" val="2441002560"/>
                     </a:ext>
                   </a:extLst>
                 </a:gridCol>
@@ -7173,7 +7173,7 @@
                 </a:tc>
                 <a:extLst>
                   <a:ext uri="{0D108BD9-81ED-4DB2-BD59-A6C34878D82A}">
-                    <a16:rowId xmlns:a16="http://schemas.microsoft.com/office/drawing/2014/main" val="1806100801"/>
+                    <a16:rowId xmlns:a16="http://schemas.microsoft.com/office/drawing/2014/main" xmlns="" val="1806100801"/>
                   </a:ext>
                 </a:extLst>
               </a:tr>

--- a/提出（学生が出す）ー岡本/PM/17746 sunita/sunita.pptx
+++ b/提出（学生が出す）ー岡本/PM/17746 sunita/sunita.pptx
@@ -454,7 +454,7 @@
           <a:p>
             <a:fld id="{EDF93A8E-84FD-441E-84A9-5E4431BB6DD5}" type="datetimeFigureOut">
               <a:rPr kumimoji="1" lang="ja-JP" altLang="en-US" smtClean="0"/>
-              <a:t>2019/10/31</a:t>
+              <a:t>2019/11/11</a:t>
             </a:fld>
             <a:endParaRPr kumimoji="1" lang="ja-JP" altLang="en-US"/>
           </a:p>
@@ -778,7 +778,7 @@
           <a:p>
             <a:fld id="{EDF93A8E-84FD-441E-84A9-5E4431BB6DD5}" type="datetimeFigureOut">
               <a:rPr kumimoji="1" lang="ja-JP" altLang="en-US" smtClean="0"/>
-              <a:t>2019/10/31</a:t>
+              <a:t>2019/11/11</a:t>
             </a:fld>
             <a:endParaRPr kumimoji="1" lang="ja-JP" altLang="en-US"/>
           </a:p>
@@ -1026,7 +1026,7 @@
           <a:p>
             <a:fld id="{EDF93A8E-84FD-441E-84A9-5E4431BB6DD5}" type="datetimeFigureOut">
               <a:rPr kumimoji="1" lang="ja-JP" altLang="en-US" smtClean="0"/>
-              <a:t>2019/10/31</a:t>
+              <a:t>2019/11/11</a:t>
             </a:fld>
             <a:endParaRPr kumimoji="1" lang="ja-JP" altLang="en-US"/>
           </a:p>
@@ -1365,7 +1365,7 @@
           <a:p>
             <a:fld id="{EDF93A8E-84FD-441E-84A9-5E4431BB6DD5}" type="datetimeFigureOut">
               <a:rPr kumimoji="1" lang="ja-JP" altLang="en-US" smtClean="0"/>
-              <a:t>2019/10/31</a:t>
+              <a:t>2019/11/11</a:t>
             </a:fld>
             <a:endParaRPr kumimoji="1" lang="ja-JP" altLang="en-US"/>
           </a:p>
@@ -1712,7 +1712,7 @@
           <a:p>
             <a:fld id="{EDF93A8E-84FD-441E-84A9-5E4431BB6DD5}" type="datetimeFigureOut">
               <a:rPr kumimoji="1" lang="ja-JP" altLang="en-US" smtClean="0"/>
-              <a:t>2019/10/31</a:t>
+              <a:t>2019/11/11</a:t>
             </a:fld>
             <a:endParaRPr kumimoji="1" lang="ja-JP" altLang="en-US"/>
           </a:p>
@@ -2086,7 +2086,7 @@
           <a:p>
             <a:fld id="{EDF93A8E-84FD-441E-84A9-5E4431BB6DD5}" type="datetimeFigureOut">
               <a:rPr kumimoji="1" lang="ja-JP" altLang="en-US" smtClean="0"/>
-              <a:t>2019/10/31</a:t>
+              <a:t>2019/11/11</a:t>
             </a:fld>
             <a:endParaRPr kumimoji="1" lang="ja-JP" altLang="en-US"/>
           </a:p>
@@ -2556,7 +2556,7 @@
           <a:p>
             <a:fld id="{EDF93A8E-84FD-441E-84A9-5E4431BB6DD5}" type="datetimeFigureOut">
               <a:rPr kumimoji="1" lang="ja-JP" altLang="en-US" smtClean="0"/>
-              <a:t>2019/10/31</a:t>
+              <a:t>2019/11/11</a:t>
             </a:fld>
             <a:endParaRPr kumimoji="1" lang="ja-JP" altLang="en-US"/>
           </a:p>
@@ -2793,7 +2793,7 @@
           <a:p>
             <a:fld id="{EDF93A8E-84FD-441E-84A9-5E4431BB6DD5}" type="datetimeFigureOut">
               <a:rPr kumimoji="1" lang="ja-JP" altLang="en-US" smtClean="0"/>
-              <a:t>2019/10/31</a:t>
+              <a:t>2019/11/11</a:t>
             </a:fld>
             <a:endParaRPr kumimoji="1" lang="ja-JP" altLang="en-US"/>
           </a:p>
@@ -3036,7 +3036,7 @@
           <a:p>
             <a:fld id="{EDF93A8E-84FD-441E-84A9-5E4431BB6DD5}" type="datetimeFigureOut">
               <a:rPr kumimoji="1" lang="ja-JP" altLang="en-US" smtClean="0"/>
-              <a:t>2019/10/31</a:t>
+              <a:t>2019/11/11</a:t>
             </a:fld>
             <a:endParaRPr kumimoji="1" lang="ja-JP" altLang="en-US"/>
           </a:p>
@@ -3300,7 +3300,7 @@
           <a:p>
             <a:fld id="{EDF93A8E-84FD-441E-84A9-5E4431BB6DD5}" type="datetimeFigureOut">
               <a:rPr kumimoji="1" lang="ja-JP" altLang="en-US" smtClean="0"/>
-              <a:t>2019/10/31</a:t>
+              <a:t>2019/11/11</a:t>
             </a:fld>
             <a:endParaRPr kumimoji="1" lang="ja-JP" altLang="en-US"/>
           </a:p>
@@ -3548,7 +3548,7 @@
           <a:p>
             <a:fld id="{EDF93A8E-84FD-441E-84A9-5E4431BB6DD5}" type="datetimeFigureOut">
               <a:rPr kumimoji="1" lang="ja-JP" altLang="en-US" smtClean="0"/>
-              <a:t>2019/10/31</a:t>
+              <a:t>2019/11/11</a:t>
             </a:fld>
             <a:endParaRPr kumimoji="1" lang="ja-JP" altLang="en-US"/>
           </a:p>
@@ -3910,7 +3910,7 @@
           <a:p>
             <a:fld id="{EDF93A8E-84FD-441E-84A9-5E4431BB6DD5}" type="datetimeFigureOut">
               <a:rPr kumimoji="1" lang="ja-JP" altLang="en-US" smtClean="0"/>
-              <a:t>2019/10/31</a:t>
+              <a:t>2019/11/11</a:t>
             </a:fld>
             <a:endParaRPr kumimoji="1" lang="ja-JP" altLang="en-US"/>
           </a:p>
@@ -4368,7 +4368,7 @@
           <a:p>
             <a:fld id="{EDF93A8E-84FD-441E-84A9-5E4431BB6DD5}" type="datetimeFigureOut">
               <a:rPr kumimoji="1" lang="ja-JP" altLang="en-US" smtClean="0"/>
-              <a:t>2019/10/31</a:t>
+              <a:t>2019/11/11</a:t>
             </a:fld>
             <a:endParaRPr kumimoji="1" lang="ja-JP" altLang="en-US"/>
           </a:p>
@@ -4517,7 +4517,7 @@
           <a:p>
             <a:fld id="{EDF93A8E-84FD-441E-84A9-5E4431BB6DD5}" type="datetimeFigureOut">
               <a:rPr kumimoji="1" lang="ja-JP" altLang="en-US" smtClean="0"/>
-              <a:t>2019/10/31</a:t>
+              <a:t>2019/11/11</a:t>
             </a:fld>
             <a:endParaRPr kumimoji="1" lang="ja-JP" altLang="en-US"/>
           </a:p>
@@ -4643,7 +4643,7 @@
           <a:p>
             <a:fld id="{EDF93A8E-84FD-441E-84A9-5E4431BB6DD5}" type="datetimeFigureOut">
               <a:rPr kumimoji="1" lang="ja-JP" altLang="en-US" smtClean="0"/>
-              <a:t>2019/10/31</a:t>
+              <a:t>2019/11/11</a:t>
             </a:fld>
             <a:endParaRPr kumimoji="1" lang="ja-JP" altLang="en-US"/>
           </a:p>
@@ -4930,7 +4930,7 @@
           <a:p>
             <a:fld id="{EDF93A8E-84FD-441E-84A9-5E4431BB6DD5}" type="datetimeFigureOut">
               <a:rPr kumimoji="1" lang="ja-JP" altLang="en-US" smtClean="0"/>
-              <a:t>2019/10/31</a:t>
+              <a:t>2019/11/11</a:t>
             </a:fld>
             <a:endParaRPr kumimoji="1" lang="ja-JP" altLang="en-US"/>
           </a:p>
@@ -5245,7 +5245,7 @@
           <a:p>
             <a:fld id="{EDF93A8E-84FD-441E-84A9-5E4431BB6DD5}" type="datetimeFigureOut">
               <a:rPr kumimoji="1" lang="ja-JP" altLang="en-US" smtClean="0"/>
-              <a:t>2019/10/31</a:t>
+              <a:t>2019/11/11</a:t>
             </a:fld>
             <a:endParaRPr kumimoji="1" lang="ja-JP" altLang="en-US"/>
           </a:p>
@@ -5628,7 +5628,7 @@
           <a:p>
             <a:fld id="{EDF93A8E-84FD-441E-84A9-5E4431BB6DD5}" type="datetimeFigureOut">
               <a:rPr kumimoji="1" lang="ja-JP" altLang="en-US" smtClean="0"/>
-              <a:t>2019/10/31</a:t>
+              <a:t>2019/11/11</a:t>
             </a:fld>
             <a:endParaRPr kumimoji="1" lang="ja-JP" altLang="en-US"/>
           </a:p>
@@ -6321,28 +6321,28 @@
                 <a:gridCol w="2105026">
                   <a:extLst>
                     <a:ext uri="{9D8B030D-6E8A-4147-A177-3AD203B41FA5}">
-                      <a16:colId xmlns:a16="http://schemas.microsoft.com/office/drawing/2014/main" xmlns="" val="2984244494"/>
+                      <a16:colId xmlns:a16="http://schemas.microsoft.com/office/drawing/2014/main" val="2984244494"/>
                     </a:ext>
                   </a:extLst>
                 </a:gridCol>
                 <a:gridCol w="2105026">
                   <a:extLst>
                     <a:ext uri="{9D8B030D-6E8A-4147-A177-3AD203B41FA5}">
-                      <a16:colId xmlns:a16="http://schemas.microsoft.com/office/drawing/2014/main" xmlns="" val="3490705973"/>
+                      <a16:colId xmlns:a16="http://schemas.microsoft.com/office/drawing/2014/main" val="3490705973"/>
                     </a:ext>
                   </a:extLst>
                 </a:gridCol>
                 <a:gridCol w="2105026">
                   <a:extLst>
                     <a:ext uri="{9D8B030D-6E8A-4147-A177-3AD203B41FA5}">
-                      <a16:colId xmlns:a16="http://schemas.microsoft.com/office/drawing/2014/main" xmlns="" val="3423155733"/>
+                      <a16:colId xmlns:a16="http://schemas.microsoft.com/office/drawing/2014/main" val="3423155733"/>
                     </a:ext>
                   </a:extLst>
                 </a:gridCol>
                 <a:gridCol w="2105026">
                   <a:extLst>
                     <a:ext uri="{9D8B030D-6E8A-4147-A177-3AD203B41FA5}">
-                      <a16:colId xmlns:a16="http://schemas.microsoft.com/office/drawing/2014/main" xmlns="" val="3877576202"/>
+                      <a16:colId xmlns:a16="http://schemas.microsoft.com/office/drawing/2014/main" val="3877576202"/>
                     </a:ext>
                   </a:extLst>
                 </a:gridCol>
@@ -6410,7 +6410,7 @@
                 </a:tc>
                 <a:extLst>
                   <a:ext uri="{0D108BD9-81ED-4DB2-BD59-A6C34878D82A}">
-                    <a16:rowId xmlns:a16="http://schemas.microsoft.com/office/drawing/2014/main" xmlns="" val="1308390797"/>
+                    <a16:rowId xmlns:a16="http://schemas.microsoft.com/office/drawing/2014/main" val="1308390797"/>
                   </a:ext>
                 </a:extLst>
               </a:tr>
@@ -6763,35 +6763,35 @@
                 <a:gridCol w="1625600">
                   <a:extLst>
                     <a:ext uri="{9D8B030D-6E8A-4147-A177-3AD203B41FA5}">
-                      <a16:colId xmlns:a16="http://schemas.microsoft.com/office/drawing/2014/main" xmlns="" val="2150332623"/>
+                      <a16:colId xmlns:a16="http://schemas.microsoft.com/office/drawing/2014/main" val="2150332623"/>
                     </a:ext>
                   </a:extLst>
                 </a:gridCol>
                 <a:gridCol w="1625600">
                   <a:extLst>
                     <a:ext uri="{9D8B030D-6E8A-4147-A177-3AD203B41FA5}">
-                      <a16:colId xmlns:a16="http://schemas.microsoft.com/office/drawing/2014/main" xmlns="" val="235868995"/>
+                      <a16:colId xmlns:a16="http://schemas.microsoft.com/office/drawing/2014/main" val="235868995"/>
                     </a:ext>
                   </a:extLst>
                 </a:gridCol>
                 <a:gridCol w="1625600">
                   <a:extLst>
                     <a:ext uri="{9D8B030D-6E8A-4147-A177-3AD203B41FA5}">
-                      <a16:colId xmlns:a16="http://schemas.microsoft.com/office/drawing/2014/main" xmlns="" val="4168334508"/>
+                      <a16:colId xmlns:a16="http://schemas.microsoft.com/office/drawing/2014/main" val="4168334508"/>
                     </a:ext>
                   </a:extLst>
                 </a:gridCol>
                 <a:gridCol w="1625600">
                   <a:extLst>
                     <a:ext uri="{9D8B030D-6E8A-4147-A177-3AD203B41FA5}">
-                      <a16:colId xmlns:a16="http://schemas.microsoft.com/office/drawing/2014/main" xmlns="" val="977299557"/>
+                      <a16:colId xmlns:a16="http://schemas.microsoft.com/office/drawing/2014/main" val="977299557"/>
                     </a:ext>
                   </a:extLst>
                 </a:gridCol>
                 <a:gridCol w="1625600">
                   <a:extLst>
                     <a:ext uri="{9D8B030D-6E8A-4147-A177-3AD203B41FA5}">
-                      <a16:colId xmlns:a16="http://schemas.microsoft.com/office/drawing/2014/main" xmlns="" val="371625228"/>
+                      <a16:colId xmlns:a16="http://schemas.microsoft.com/office/drawing/2014/main" val="371625228"/>
                     </a:ext>
                   </a:extLst>
                 </a:gridCol>
@@ -6869,7 +6869,7 @@
                 </a:tc>
                 <a:extLst>
                   <a:ext uri="{0D108BD9-81ED-4DB2-BD59-A6C34878D82A}">
-                    <a16:rowId xmlns:a16="http://schemas.microsoft.com/office/drawing/2014/main" xmlns="" val="1875427296"/>
+                    <a16:rowId xmlns:a16="http://schemas.microsoft.com/office/drawing/2014/main" val="1875427296"/>
                   </a:ext>
                 </a:extLst>
               </a:tr>
@@ -7088,28 +7088,28 @@
                 <a:gridCol w="3027045">
                   <a:extLst>
                     <a:ext uri="{9D8B030D-6E8A-4147-A177-3AD203B41FA5}">
-                      <a16:colId xmlns:a16="http://schemas.microsoft.com/office/drawing/2014/main" xmlns="" val="2001759671"/>
+                      <a16:colId xmlns:a16="http://schemas.microsoft.com/office/drawing/2014/main" val="2001759671"/>
                     </a:ext>
                   </a:extLst>
                 </a:gridCol>
                 <a:gridCol w="3027045">
                   <a:extLst>
                     <a:ext uri="{9D8B030D-6E8A-4147-A177-3AD203B41FA5}">
-                      <a16:colId xmlns:a16="http://schemas.microsoft.com/office/drawing/2014/main" xmlns="" val="1733201963"/>
+                      <a16:colId xmlns:a16="http://schemas.microsoft.com/office/drawing/2014/main" val="1733201963"/>
                     </a:ext>
                   </a:extLst>
                 </a:gridCol>
                 <a:gridCol w="3027045">
                   <a:extLst>
                     <a:ext uri="{9D8B030D-6E8A-4147-A177-3AD203B41FA5}">
-                      <a16:colId xmlns:a16="http://schemas.microsoft.com/office/drawing/2014/main" xmlns="" val="301433961"/>
+                      <a16:colId xmlns:a16="http://schemas.microsoft.com/office/drawing/2014/main" val="301433961"/>
                     </a:ext>
                   </a:extLst>
                 </a:gridCol>
                 <a:gridCol w="3027045">
                   <a:extLst>
                     <a:ext uri="{9D8B030D-6E8A-4147-A177-3AD203B41FA5}">
-                      <a16:colId xmlns:a16="http://schemas.microsoft.com/office/drawing/2014/main" xmlns="" val="2441002560"/>
+                      <a16:colId xmlns:a16="http://schemas.microsoft.com/office/drawing/2014/main" val="2441002560"/>
                     </a:ext>
                   </a:extLst>
                 </a:gridCol>
@@ -7173,7 +7173,7 @@
                 </a:tc>
                 <a:extLst>
                   <a:ext uri="{0D108BD9-81ED-4DB2-BD59-A6C34878D82A}">
-                    <a16:rowId xmlns:a16="http://schemas.microsoft.com/office/drawing/2014/main" xmlns="" val="1806100801"/>
+                    <a16:rowId xmlns:a16="http://schemas.microsoft.com/office/drawing/2014/main" val="1806100801"/>
                   </a:ext>
                 </a:extLst>
               </a:tr>
@@ -7211,6 +7211,332 @@
           <a:chExt cx="0" cy="0"/>
         </a:xfrm>
       </p:grpSpPr>
+      <p:pic>
+        <p:nvPicPr>
+          <p:cNvPr id="2" name="図 1"/>
+          <p:cNvPicPr>
+            <a:picLocks noChangeAspect="1"/>
+          </p:cNvPicPr>
+          <p:nvPr/>
+        </p:nvPicPr>
+        <p:blipFill>
+          <a:blip r:embed="rId2" cstate="print">
+            <a:extLst>
+              <a:ext uri="{28A0092B-C50C-407E-A947-70E740481C1C}">
+                <a14:useLocalDpi xmlns:a14="http://schemas.microsoft.com/office/drawing/2010/main" val="0"/>
+              </a:ext>
+            </a:extLst>
+          </a:blip>
+          <a:stretch>
+            <a:fillRect/>
+          </a:stretch>
+        </p:blipFill>
+        <p:spPr>
+          <a:xfrm>
+            <a:off x="748187" y="1367222"/>
+            <a:ext cx="2997697" cy="3657600"/>
+          </a:xfrm>
+          <a:prstGeom prst="rect">
+            <a:avLst/>
+          </a:prstGeom>
+        </p:spPr>
+      </p:pic>
+      <p:pic>
+        <p:nvPicPr>
+          <p:cNvPr id="3" name="図 2"/>
+          <p:cNvPicPr>
+            <a:picLocks noChangeAspect="1"/>
+          </p:cNvPicPr>
+          <p:nvPr/>
+        </p:nvPicPr>
+        <p:blipFill>
+          <a:blip r:embed="rId3">
+            <a:extLst>
+              <a:ext uri="{28A0092B-C50C-407E-A947-70E740481C1C}">
+                <a14:useLocalDpi xmlns:a14="http://schemas.microsoft.com/office/drawing/2010/main" val="0"/>
+              </a:ext>
+            </a:extLst>
+          </a:blip>
+          <a:stretch>
+            <a:fillRect/>
+          </a:stretch>
+        </p:blipFill>
+        <p:spPr>
+          <a:xfrm>
+            <a:off x="3644261" y="1544772"/>
+            <a:ext cx="3538299" cy="3643313"/>
+          </a:xfrm>
+          <a:prstGeom prst="rect">
+            <a:avLst/>
+          </a:prstGeom>
+        </p:spPr>
+      </p:pic>
+      <p:pic>
+        <p:nvPicPr>
+          <p:cNvPr id="5" name="図 4"/>
+          <p:cNvPicPr>
+            <a:picLocks noChangeAspect="1"/>
+          </p:cNvPicPr>
+          <p:nvPr/>
+        </p:nvPicPr>
+        <p:blipFill>
+          <a:blip r:embed="rId4" cstate="print">
+            <a:extLst>
+              <a:ext uri="{28A0092B-C50C-407E-A947-70E740481C1C}">
+                <a14:useLocalDpi xmlns:a14="http://schemas.microsoft.com/office/drawing/2010/main" val="0"/>
+              </a:ext>
+            </a:extLst>
+          </a:blip>
+          <a:stretch>
+            <a:fillRect/>
+          </a:stretch>
+        </p:blipFill>
+        <p:spPr>
+          <a:xfrm>
+            <a:off x="7182560" y="1594779"/>
+            <a:ext cx="3672215" cy="3593306"/>
+          </a:xfrm>
+          <a:prstGeom prst="rect">
+            <a:avLst/>
+          </a:prstGeom>
+        </p:spPr>
+      </p:pic>
+      <p:graphicFrame>
+        <p:nvGraphicFramePr>
+          <p:cNvPr id="7" name="表 6"/>
+          <p:cNvGraphicFramePr>
+            <a:graphicFrameLocks noGrp="1"/>
+          </p:cNvGraphicFramePr>
+          <p:nvPr>
+            <p:extLst>
+              <p:ext uri="{D42A27DB-BD31-4B8C-83A1-F6EECF244321}">
+                <p14:modId xmlns:p14="http://schemas.microsoft.com/office/powerpoint/2010/main" val="1158450343"/>
+              </p:ext>
+            </p:extLst>
+          </p:nvPr>
+        </p:nvGraphicFramePr>
+        <p:xfrm>
+          <a:off x="678360" y="685799"/>
+          <a:ext cx="4029074" cy="518160"/>
+        </p:xfrm>
+        <a:graphic>
+          <a:graphicData uri="http://schemas.openxmlformats.org/drawingml/2006/table">
+            <a:tbl>
+              <a:tblPr firstRow="1" bandRow="1">
+                <a:tableStyleId>{F5AB1C69-6EDB-4FF4-983F-18BD219EF322}</a:tableStyleId>
+              </a:tblPr>
+              <a:tblGrid>
+                <a:gridCol w="4029074">
+                  <a:extLst>
+                    <a:ext uri="{9D8B030D-6E8A-4147-A177-3AD203B41FA5}">
+                      <a16:colId xmlns:a16="http://schemas.microsoft.com/office/drawing/2014/main" val="1741590323"/>
+                    </a:ext>
+                  </a:extLst>
+                </a:gridCol>
+              </a:tblGrid>
+              <a:tr h="446723">
+                <a:tc>
+                  <a:txBody>
+                    <a:bodyPr/>
+                    <a:lstStyle/>
+                    <a:p>
+                      <a:r>
+                        <a:rPr kumimoji="1" lang="en-US" altLang="ja-JP" sz="2800" dirty="0" smtClean="0"/>
+                        <a:t>JAPANESE FOODS</a:t>
+                      </a:r>
+                      <a:endParaRPr kumimoji="1" lang="ja-JP" altLang="en-US" sz="2800" dirty="0"/>
+                    </a:p>
+                  </a:txBody>
+                  <a:tcPr/>
+                </a:tc>
+                <a:extLst>
+                  <a:ext uri="{0D108BD9-81ED-4DB2-BD59-A6C34878D82A}">
+                    <a16:rowId xmlns:a16="http://schemas.microsoft.com/office/drawing/2014/main" val="2311802697"/>
+                  </a:ext>
+                </a:extLst>
+              </a:tr>
+            </a:tbl>
+          </a:graphicData>
+        </a:graphic>
+      </p:graphicFrame>
+      <p:graphicFrame>
+        <p:nvGraphicFramePr>
+          <p:cNvPr id="8" name="表 7"/>
+          <p:cNvGraphicFramePr>
+            <a:graphicFrameLocks noGrp="1"/>
+          </p:cNvGraphicFramePr>
+          <p:nvPr>
+            <p:extLst>
+              <p:ext uri="{D42A27DB-BD31-4B8C-83A1-F6EECF244321}">
+                <p14:modId xmlns:p14="http://schemas.microsoft.com/office/powerpoint/2010/main" val="668501940"/>
+              </p:ext>
+            </p:extLst>
+          </p:nvPr>
+        </p:nvGraphicFramePr>
+        <p:xfrm>
+          <a:off x="4071938" y="5365635"/>
+          <a:ext cx="1814512" cy="406515"/>
+        </p:xfrm>
+        <a:graphic>
+          <a:graphicData uri="http://schemas.openxmlformats.org/drawingml/2006/table">
+            <a:tbl>
+              <a:tblPr firstRow="1" bandRow="1">
+                <a:tableStyleId>{00A15C55-8517-42AA-B614-E9B94910E393}</a:tableStyleId>
+              </a:tblPr>
+              <a:tblGrid>
+                <a:gridCol w="1814512">
+                  <a:extLst>
+                    <a:ext uri="{9D8B030D-6E8A-4147-A177-3AD203B41FA5}">
+                      <a16:colId xmlns:a16="http://schemas.microsoft.com/office/drawing/2014/main" val="3287995206"/>
+                    </a:ext>
+                  </a:extLst>
+                </a:gridCol>
+              </a:tblGrid>
+              <a:tr h="406515">
+                <a:tc>
+                  <a:txBody>
+                    <a:bodyPr/>
+                    <a:lstStyle/>
+                    <a:p>
+                      <a:r>
+                        <a:rPr kumimoji="1" lang="en-US" altLang="ja-JP" sz="2000" dirty="0" smtClean="0"/>
+                        <a:t>RAMEN:\900</a:t>
+                      </a:r>
+                      <a:endParaRPr kumimoji="1" lang="ja-JP" altLang="en-US" sz="2000" dirty="0"/>
+                    </a:p>
+                  </a:txBody>
+                  <a:tcPr/>
+                </a:tc>
+                <a:extLst>
+                  <a:ext uri="{0D108BD9-81ED-4DB2-BD59-A6C34878D82A}">
+                    <a16:rowId xmlns:a16="http://schemas.microsoft.com/office/drawing/2014/main" val="2647574356"/>
+                  </a:ext>
+                </a:extLst>
+              </a:tr>
+            </a:tbl>
+          </a:graphicData>
+        </a:graphic>
+      </p:graphicFrame>
+      <p:graphicFrame>
+        <p:nvGraphicFramePr>
+          <p:cNvPr id="9" name="表 8"/>
+          <p:cNvGraphicFramePr>
+            <a:graphicFrameLocks noGrp="1"/>
+          </p:cNvGraphicFramePr>
+          <p:nvPr>
+            <p:extLst>
+              <p:ext uri="{D42A27DB-BD31-4B8C-83A1-F6EECF244321}">
+                <p14:modId xmlns:p14="http://schemas.microsoft.com/office/powerpoint/2010/main" val="3978655635"/>
+              </p:ext>
+            </p:extLst>
+          </p:nvPr>
+        </p:nvGraphicFramePr>
+        <p:xfrm>
+          <a:off x="992684" y="5365635"/>
+          <a:ext cx="2293441" cy="396240"/>
+        </p:xfrm>
+        <a:graphic>
+          <a:graphicData uri="http://schemas.openxmlformats.org/drawingml/2006/table">
+            <a:tbl>
+              <a:tblPr firstRow="1" bandRow="1">
+                <a:tableStyleId>{21E4AEA4-8DFA-4A89-87EB-49C32662AFE0}</a:tableStyleId>
+              </a:tblPr>
+              <a:tblGrid>
+                <a:gridCol w="2293441">
+                  <a:extLst>
+                    <a:ext uri="{9D8B030D-6E8A-4147-A177-3AD203B41FA5}">
+                      <a16:colId xmlns:a16="http://schemas.microsoft.com/office/drawing/2014/main" val="2392464784"/>
+                    </a:ext>
+                  </a:extLst>
+                </a:gridCol>
+              </a:tblGrid>
+              <a:tr h="0">
+                <a:tc>
+                  <a:txBody>
+                    <a:bodyPr/>
+                    <a:lstStyle/>
+                    <a:p>
+                      <a:r>
+                        <a:rPr kumimoji="1" lang="en-US" altLang="ja-JP" sz="2000" dirty="0" smtClean="0"/>
+                        <a:t>KARE</a:t>
+                      </a:r>
+                      <a:r>
+                        <a:rPr kumimoji="1" lang="en-US" altLang="ja-JP" sz="2000" baseline="0" dirty="0" smtClean="0"/>
+                        <a:t> RICE:\1000</a:t>
+                      </a:r>
+                      <a:endParaRPr kumimoji="1" lang="ja-JP" altLang="en-US" sz="2000" dirty="0"/>
+                    </a:p>
+                  </a:txBody>
+                  <a:tcPr/>
+                </a:tc>
+                <a:extLst>
+                  <a:ext uri="{0D108BD9-81ED-4DB2-BD59-A6C34878D82A}">
+                    <a16:rowId xmlns:a16="http://schemas.microsoft.com/office/drawing/2014/main" val="2918497573"/>
+                  </a:ext>
+                </a:extLst>
+              </a:tr>
+            </a:tbl>
+          </a:graphicData>
+        </a:graphic>
+      </p:graphicFrame>
+      <p:graphicFrame>
+        <p:nvGraphicFramePr>
+          <p:cNvPr id="11" name="表 10"/>
+          <p:cNvGraphicFramePr>
+            <a:graphicFrameLocks noGrp="1"/>
+          </p:cNvGraphicFramePr>
+          <p:nvPr>
+            <p:extLst>
+              <p:ext uri="{D42A27DB-BD31-4B8C-83A1-F6EECF244321}">
+                <p14:modId xmlns:p14="http://schemas.microsoft.com/office/powerpoint/2010/main" val="337374675"/>
+              </p:ext>
+            </p:extLst>
+          </p:nvPr>
+        </p:nvGraphicFramePr>
+        <p:xfrm>
+          <a:off x="7775654" y="5245234"/>
+          <a:ext cx="2486026" cy="516641"/>
+        </p:xfrm>
+        <a:graphic>
+          <a:graphicData uri="http://schemas.openxmlformats.org/drawingml/2006/table">
+            <a:tbl>
+              <a:tblPr firstRow="1" bandRow="1">
+                <a:tableStyleId>{5C22544A-7EE6-4342-B048-85BDC9FD1C3A}</a:tableStyleId>
+              </a:tblPr>
+              <a:tblGrid>
+                <a:gridCol w="2486026">
+                  <a:extLst>
+                    <a:ext uri="{9D8B030D-6E8A-4147-A177-3AD203B41FA5}">
+                      <a16:colId xmlns:a16="http://schemas.microsoft.com/office/drawing/2014/main" val="1836769055"/>
+                    </a:ext>
+                  </a:extLst>
+                </a:gridCol>
+              </a:tblGrid>
+              <a:tr h="516641">
+                <a:tc>
+                  <a:txBody>
+                    <a:bodyPr/>
+                    <a:lstStyle/>
+                    <a:p>
+                      <a:r>
+                        <a:rPr kumimoji="1" lang="en-US" altLang="ja-JP" sz="2000" dirty="0" smtClean="0"/>
+                        <a:t>JUICE:\600</a:t>
+                      </a:r>
+                      <a:endParaRPr kumimoji="1" lang="ja-JP" altLang="en-US" sz="2400" dirty="0"/>
+                    </a:p>
+                  </a:txBody>
+                  <a:tcPr/>
+                </a:tc>
+                <a:extLst>
+                  <a:ext uri="{0D108BD9-81ED-4DB2-BD59-A6C34878D82A}">
+                    <a16:rowId xmlns:a16="http://schemas.microsoft.com/office/drawing/2014/main" val="3478864845"/>
+                  </a:ext>
+                </a:extLst>
+              </a:tr>
+            </a:tbl>
+          </a:graphicData>
+        </a:graphic>
+      </p:graphicFrame>
     </p:spTree>
     <p:extLst>
       <p:ext uri="{BB962C8B-B14F-4D97-AF65-F5344CB8AC3E}">
